--- a/docs/assets/docs/schema-cycle-de-vie.pptx
+++ b/docs/assets/docs/schema-cycle-de-vie.pptx
@@ -10523,7 +10523,7 @@
         </p:nvSpPr>
         <p:spPr>
           <a:xfrm>
-            <a:off x="8296197" y="6104462"/>
+            <a:off x="8080744" y="6127268"/>
             <a:ext cx="2075321" cy="381108"/>
           </a:xfrm>
           <a:prstGeom prst="rect">
@@ -10601,7 +10601,7 @@
         </p:nvSpPr>
         <p:spPr>
           <a:xfrm>
-            <a:off x="6447269" y="6083207"/>
+            <a:off x="6231816" y="6126603"/>
             <a:ext cx="1702905" cy="381108"/>
           </a:xfrm>
           <a:prstGeom prst="rect">
@@ -10809,7 +10809,7 @@
         </p:nvSpPr>
         <p:spPr>
           <a:xfrm>
-            <a:off x="7668909" y="2791611"/>
+            <a:off x="7057831" y="3347845"/>
             <a:ext cx="2170038" cy="381108"/>
           </a:xfrm>
           <a:prstGeom prst="rect">
@@ -10887,7 +10887,7 @@
         </p:nvSpPr>
         <p:spPr>
           <a:xfrm>
-            <a:off x="6340873" y="4198870"/>
+            <a:off x="6231816" y="4290681"/>
             <a:ext cx="4214813" cy="1717000"/>
           </a:xfrm>
           <a:prstGeom prst="rect">
@@ -11452,7 +11452,7 @@
         </p:nvSpPr>
         <p:spPr>
           <a:xfrm>
-            <a:off x="7668909" y="1892279"/>
+            <a:off x="7057831" y="2448513"/>
             <a:ext cx="2920511" cy="849288"/>
           </a:xfrm>
           <a:prstGeom prst="rect">
@@ -11567,7 +11567,7 @@
         </p:blipFill>
         <p:spPr>
           <a:xfrm>
-            <a:off x="5954295" y="2376384"/>
+            <a:off x="5600673" y="2813102"/>
             <a:ext cx="1702899" cy="1702899"/>
           </a:xfrm>
           <a:prstGeom prst="rect">

--- a/docs/assets/docs/schema-cycle-de-vie.pptx
+++ b/docs/assets/docs/schema-cycle-de-vie.pptx
@@ -9432,104 +9432,6 @@
       </p:grpSpPr>
       <p:sp>
         <p:nvSpPr>
-          <p:cNvPr id="4" name="Espace réservé du numéro de diapositive 2">
-            <a:extLst>
-              <a:ext uri="{FF2B5EF4-FFF2-40B4-BE49-F238E27FC236}">
-                <a16:creationId xmlns:a16="http://schemas.microsoft.com/office/drawing/2014/main" id="{E11B5717-BFF4-F816-ECE8-4B2DD3613939}"/>
-              </a:ext>
-            </a:extLst>
-          </p:cNvPr>
-          <p:cNvSpPr>
-            <a:spLocks noGrp="1"/>
-          </p:cNvSpPr>
-          <p:nvPr>
-            <p:ph type="sldNum" sz="quarter" idx="4294967295"/>
-            <p:custDataLst>
-              <p:tags r:id="rId1"/>
-            </p:custDataLst>
-          </p:nvPr>
-        </p:nvSpPr>
-        <p:spPr>
-          <a:xfrm>
-            <a:off x="11808883" y="6467794"/>
-            <a:ext cx="383117" cy="365125"/>
-          </a:xfrm>
-          <a:noFill/>
-        </p:spPr>
-        <p:txBody>
-          <a:bodyPr/>
-          <a:lstStyle/>
-          <a:p>
-            <a:pPr marL="0" marR="0" lvl="0" indent="0" algn="ctr" defTabSz="1219170" rtl="0" eaLnBrk="1" fontAlgn="base" latinLnBrk="0" hangingPunct="1">
-              <a:lnSpc>
-                <a:spcPct val="100000"/>
-              </a:lnSpc>
-              <a:spcBef>
-                <a:spcPct val="0"/>
-              </a:spcBef>
-              <a:spcAft>
-                <a:spcPct val="0"/>
-              </a:spcAft>
-              <a:buClrTx/>
-              <a:buSzTx/>
-              <a:buFontTx/>
-              <a:buNone/>
-              <a:tabLst/>
-              <a:defRPr/>
-            </a:pPr>
-            <a:fld id="{646E7B68-C406-4B5C-B79D-A1CDE10CB85D}" type="slidenum">
-              <a:rPr kumimoji="0" lang="fr-FR" sz="1067" b="0" i="1" u="none" strike="noStrike" kern="1200" cap="none" spc="0" normalizeH="0" baseline="0" noProof="0">
-                <a:ln>
-                  <a:noFill/>
-                </a:ln>
-                <a:solidFill>
-                  <a:srgbClr val="575757"/>
-                </a:solidFill>
-                <a:effectLst/>
-                <a:uLnTx/>
-                <a:uFillTx/>
-                <a:latin typeface="Arial"/>
-                <a:ea typeface="+mn-ea"/>
-                <a:cs typeface="+mn-cs"/>
-              </a:rPr>
-              <a:pPr marL="0" marR="0" lvl="0" indent="0" algn="ctr" defTabSz="1219170" rtl="0" eaLnBrk="1" fontAlgn="base" latinLnBrk="0" hangingPunct="1">
-                <a:lnSpc>
-                  <a:spcPct val="100000"/>
-                </a:lnSpc>
-                <a:spcBef>
-                  <a:spcPct val="0"/>
-                </a:spcBef>
-                <a:spcAft>
-                  <a:spcPct val="0"/>
-                </a:spcAft>
-                <a:buClrTx/>
-                <a:buSzTx/>
-                <a:buFontTx/>
-                <a:buNone/>
-                <a:tabLst/>
-                <a:defRPr/>
-              </a:pPr>
-              <a:t>2</a:t>
-            </a:fld>
-            <a:endParaRPr kumimoji="0" lang="fr-FR" sz="1067" b="0" i="1" u="none" strike="noStrike" kern="1200" cap="none" spc="0" normalizeH="0" baseline="0" noProof="0">
-              <a:ln>
-                <a:noFill/>
-              </a:ln>
-              <a:solidFill>
-                <a:srgbClr val="575757"/>
-              </a:solidFill>
-              <a:effectLst/>
-              <a:uLnTx/>
-              <a:uFillTx/>
-              <a:latin typeface="Arial"/>
-              <a:ea typeface="+mn-ea"/>
-              <a:cs typeface="+mn-cs"/>
-            </a:endParaRPr>
-          </a:p>
-        </p:txBody>
-      </p:sp>
-      <p:sp>
-        <p:nvSpPr>
           <p:cNvPr id="26" name="Titre 25">
             <a:extLst>
               <a:ext uri="{FF2B5EF4-FFF2-40B4-BE49-F238E27FC236}">
@@ -9550,203 +9452,9 @@
           <a:lstStyle/>
           <a:p>
             <a:r>
-              <a:rPr lang="fr-FR"/>
-              <a:t>Le cycle de vie</a:t>
-            </a:r>
-          </a:p>
-        </p:txBody>
-      </p:sp>
-      <p:sp>
-        <p:nvSpPr>
-          <p:cNvPr id="2" name="Espace réservé du numéro de diapositive 2">
-            <a:extLst>
-              <a:ext uri="{FF2B5EF4-FFF2-40B4-BE49-F238E27FC236}">
-                <a16:creationId xmlns:a16="http://schemas.microsoft.com/office/drawing/2014/main" id="{F8252962-E928-15A6-3B08-CEF2BC98B8F6}"/>
-              </a:ext>
-            </a:extLst>
-          </p:cNvPr>
-          <p:cNvSpPr txBox="1">
-            <a:spLocks/>
-          </p:cNvSpPr>
-          <p:nvPr>
-            <p:custDataLst>
-              <p:tags r:id="rId2"/>
-            </p:custDataLst>
-          </p:nvPr>
-        </p:nvSpPr>
-        <p:spPr>
-          <a:xfrm>
-            <a:off x="11808883" y="6458334"/>
-            <a:ext cx="383117" cy="365125"/>
-          </a:xfrm>
-          <a:prstGeom prst="rect">
-            <a:avLst/>
-          </a:prstGeom>
-          <a:noFill/>
-        </p:spPr>
-        <p:txBody>
-          <a:bodyPr vert="horz" lIns="0" tIns="0" rIns="0" bIns="0" rtlCol="0" anchor="ctr"/>
-          <a:lstStyle>
-            <a:defPPr>
-              <a:defRPr lang="fr-FR"/>
-            </a:defPPr>
-            <a:lvl1pPr marL="0" algn="ctr" defTabSz="914400" rtl="0" eaLnBrk="1" latinLnBrk="0" hangingPunct="1">
-              <a:defRPr lang="fr-FR" sz="1067" i="1" kern="1200">
-                <a:solidFill>
-                  <a:srgbClr val="575757"/>
-                </a:solidFill>
-                <a:latin typeface="Arial"/>
-                <a:ea typeface="+mn-ea"/>
-                <a:cs typeface="+mn-cs"/>
-              </a:defRPr>
-            </a:lvl1pPr>
-            <a:lvl2pPr marL="457200" algn="l" defTabSz="914400" rtl="0" eaLnBrk="1" latinLnBrk="0" hangingPunct="1">
-              <a:defRPr sz="1800" kern="1200">
-                <a:solidFill>
-                  <a:schemeClr val="tx1"/>
-                </a:solidFill>
-                <a:latin typeface="+mn-lt"/>
-                <a:ea typeface="+mn-ea"/>
-                <a:cs typeface="+mn-cs"/>
-              </a:defRPr>
-            </a:lvl2pPr>
-            <a:lvl3pPr marL="914400" algn="l" defTabSz="914400" rtl="0" eaLnBrk="1" latinLnBrk="0" hangingPunct="1">
-              <a:defRPr sz="1800" kern="1200">
-                <a:solidFill>
-                  <a:schemeClr val="tx1"/>
-                </a:solidFill>
-                <a:latin typeface="+mn-lt"/>
-                <a:ea typeface="+mn-ea"/>
-                <a:cs typeface="+mn-cs"/>
-              </a:defRPr>
-            </a:lvl3pPr>
-            <a:lvl4pPr marL="1371600" algn="l" defTabSz="914400" rtl="0" eaLnBrk="1" latinLnBrk="0" hangingPunct="1">
-              <a:defRPr sz="1800" kern="1200">
-                <a:solidFill>
-                  <a:schemeClr val="tx1"/>
-                </a:solidFill>
-                <a:latin typeface="+mn-lt"/>
-                <a:ea typeface="+mn-ea"/>
-                <a:cs typeface="+mn-cs"/>
-              </a:defRPr>
-            </a:lvl4pPr>
-            <a:lvl5pPr marL="1828800" algn="l" defTabSz="914400" rtl="0" eaLnBrk="1" latinLnBrk="0" hangingPunct="1">
-              <a:defRPr sz="1800" kern="1200">
-                <a:solidFill>
-                  <a:schemeClr val="tx1"/>
-                </a:solidFill>
-                <a:latin typeface="+mn-lt"/>
-                <a:ea typeface="+mn-ea"/>
-                <a:cs typeface="+mn-cs"/>
-              </a:defRPr>
-            </a:lvl5pPr>
-            <a:lvl6pPr marL="2286000" algn="l" defTabSz="914400" rtl="0" eaLnBrk="1" latinLnBrk="0" hangingPunct="1">
-              <a:defRPr sz="1800" kern="1200">
-                <a:solidFill>
-                  <a:schemeClr val="tx1"/>
-                </a:solidFill>
-                <a:latin typeface="+mn-lt"/>
-                <a:ea typeface="+mn-ea"/>
-                <a:cs typeface="+mn-cs"/>
-              </a:defRPr>
-            </a:lvl6pPr>
-            <a:lvl7pPr marL="2743200" algn="l" defTabSz="914400" rtl="0" eaLnBrk="1" latinLnBrk="0" hangingPunct="1">
-              <a:defRPr sz="1800" kern="1200">
-                <a:solidFill>
-                  <a:schemeClr val="tx1"/>
-                </a:solidFill>
-                <a:latin typeface="+mn-lt"/>
-                <a:ea typeface="+mn-ea"/>
-                <a:cs typeface="+mn-cs"/>
-              </a:defRPr>
-            </a:lvl7pPr>
-            <a:lvl8pPr marL="3200400" algn="l" defTabSz="914400" rtl="0" eaLnBrk="1" latinLnBrk="0" hangingPunct="1">
-              <a:defRPr sz="1800" kern="1200">
-                <a:solidFill>
-                  <a:schemeClr val="tx1"/>
-                </a:solidFill>
-                <a:latin typeface="+mn-lt"/>
-                <a:ea typeface="+mn-ea"/>
-                <a:cs typeface="+mn-cs"/>
-              </a:defRPr>
-            </a:lvl8pPr>
-            <a:lvl9pPr marL="3657600" algn="l" defTabSz="914400" rtl="0" eaLnBrk="1" latinLnBrk="0" hangingPunct="1">
-              <a:defRPr sz="1800" kern="1200">
-                <a:solidFill>
-                  <a:schemeClr val="tx1"/>
-                </a:solidFill>
-                <a:latin typeface="+mn-lt"/>
-                <a:ea typeface="+mn-ea"/>
-                <a:cs typeface="+mn-cs"/>
-              </a:defRPr>
-            </a:lvl9pPr>
-          </a:lstStyle>
-          <a:p>
-            <a:pPr marL="0" marR="0" lvl="0" indent="0" algn="ctr" defTabSz="1219170" rtl="0" eaLnBrk="1" fontAlgn="base" latinLnBrk="0" hangingPunct="1">
-              <a:lnSpc>
-                <a:spcPct val="100000"/>
-              </a:lnSpc>
-              <a:spcBef>
-                <a:spcPct val="0"/>
-              </a:spcBef>
-              <a:spcAft>
-                <a:spcPct val="0"/>
-              </a:spcAft>
-              <a:buClrTx/>
-              <a:buSzTx/>
-              <a:buFontTx/>
-              <a:buNone/>
-              <a:tabLst/>
-              <a:defRPr/>
-            </a:pPr>
-            <a:fld id="{646E7B68-C406-4B5C-B79D-A1CDE10CB85D}" type="slidenum">
-              <a:rPr kumimoji="0" lang="fr-FR" sz="1067" b="0" i="1" u="none" strike="noStrike" kern="1200" cap="none" spc="0" normalizeH="0" baseline="0" noProof="0" smtClean="0">
-                <a:ln>
-                  <a:noFill/>
-                </a:ln>
-                <a:solidFill>
-                  <a:srgbClr val="575757"/>
-                </a:solidFill>
-                <a:effectLst/>
-                <a:uLnTx/>
-                <a:uFillTx/>
-                <a:latin typeface="Arial"/>
-                <a:ea typeface="+mn-ea"/>
-                <a:cs typeface="+mn-cs"/>
-              </a:rPr>
-              <a:pPr marL="0" marR="0" lvl="0" indent="0" algn="ctr" defTabSz="1219170" rtl="0" eaLnBrk="1" fontAlgn="base" latinLnBrk="0" hangingPunct="1">
-                <a:lnSpc>
-                  <a:spcPct val="100000"/>
-                </a:lnSpc>
-                <a:spcBef>
-                  <a:spcPct val="0"/>
-                </a:spcBef>
-                <a:spcAft>
-                  <a:spcPct val="0"/>
-                </a:spcAft>
-                <a:buClrTx/>
-                <a:buSzTx/>
-                <a:buFontTx/>
-                <a:buNone/>
-                <a:tabLst/>
-                <a:defRPr/>
-              </a:pPr>
-              <a:t>2</a:t>
-            </a:fld>
-            <a:endParaRPr kumimoji="0" lang="fr-FR" sz="1067" b="0" i="1" u="none" strike="noStrike" kern="1200" cap="none" spc="0" normalizeH="0" baseline="0" noProof="0">
-              <a:ln>
-                <a:noFill/>
-              </a:ln>
-              <a:solidFill>
-                <a:srgbClr val="575757"/>
-              </a:solidFill>
-              <a:effectLst/>
-              <a:uLnTx/>
-              <a:uFillTx/>
-              <a:latin typeface="Arial"/>
-              <a:ea typeface="+mn-ea"/>
-              <a:cs typeface="+mn-cs"/>
-            </a:endParaRPr>
+              <a:rPr lang="fr-FR" dirty="0"/>
+              <a:t>Schéma du cycle de vie</a:t>
+            </a:r>
           </a:p>
         </p:txBody>
       </p:sp>
@@ -11554,10 +11262,10 @@
           <p:nvPr/>
         </p:nvPicPr>
         <p:blipFill>
-          <a:blip r:embed="rId5">
+          <a:blip r:embed="rId3">
             <a:extLst>
               <a:ext uri="{96DAC541-7B7A-43D3-8B79-37D633B846F1}">
-                <asvg:svgBlip xmlns:asvg="http://schemas.microsoft.com/office/drawing/2016/SVG/main" r:embed="rId6"/>
+                <asvg:svgBlip xmlns:asvg="http://schemas.microsoft.com/office/drawing/2016/SVG/main" r:embed="rId4"/>
               </a:ext>
             </a:extLst>
           </a:blip>
@@ -11604,18 +11312,6 @@
 </file>
 
 <file path=ppt/tags/tag3.xml><?xml version="1.0" encoding="utf-8"?>
-<p:tagLst xmlns:a="http://schemas.openxmlformats.org/drawingml/2006/main" xmlns:r="http://schemas.openxmlformats.org/officeDocument/2006/relationships" xmlns:p="http://schemas.openxmlformats.org/presentationml/2006/main">
-  <p:tag name="NUM" val="2"/>
-</p:tagLst>
-</file>
-
-<file path=ppt/tags/tag4.xml><?xml version="1.0" encoding="utf-8"?>
-<p:tagLst xmlns:a="http://schemas.openxmlformats.org/drawingml/2006/main" xmlns:r="http://schemas.openxmlformats.org/officeDocument/2006/relationships" xmlns:p="http://schemas.openxmlformats.org/presentationml/2006/main">
-  <p:tag name="NUM" val="2"/>
-</p:tagLst>
-</file>
-
-<file path=ppt/tags/tag5.xml><?xml version="1.0" encoding="utf-8"?>
 <p:tagLst xmlns:a="http://schemas.openxmlformats.org/drawingml/2006/main" xmlns:r="http://schemas.openxmlformats.org/officeDocument/2006/relationships" xmlns:p="http://schemas.openxmlformats.org/presentationml/2006/main">
   <p:tag name="NUM" val="2"/>
 </p:tagLst>

--- a/docs/assets/docs/schema-cycle-de-vie.pptx
+++ b/docs/assets/docs/schema-cycle-de-vie.pptx
@@ -9534,8 +9534,8 @@
         </p:nvSpPr>
         <p:spPr>
           <a:xfrm>
-            <a:off x="1949902" y="1363319"/>
-            <a:ext cx="1952000" cy="439490"/>
+            <a:off x="1949901" y="1363318"/>
+            <a:ext cx="1952001" cy="697623"/>
           </a:xfrm>
           <a:prstGeom prst="rect">
             <a:avLst/>
@@ -9580,39 +9580,8 @@
                 <a:ea typeface="+mn-ea"/>
                 <a:cs typeface="+mn-cs"/>
               </a:rPr>
-              <a:t>(1) Initialisation de la </a:t>
-            </a:r>
-            <a:r>
-              <a:rPr kumimoji="0" lang="fr-FR" sz="1200" b="1" i="0" u="none" strike="noStrike" kern="1200" cap="none" spc="0" normalizeH="0" baseline="0" noProof="0" dirty="0" err="1">
-                <a:ln>
-                  <a:noFill/>
-                </a:ln>
-                <a:solidFill>
-                  <a:prstClr val="black"/>
-                </a:solidFill>
-                <a:effectLst/>
-                <a:uLnTx/>
-                <a:uFillTx/>
-                <a:latin typeface="Arial"/>
-                <a:ea typeface="+mn-ea"/>
-                <a:cs typeface="+mn-cs"/>
-              </a:rPr>
-              <a:t>spec</a:t>
-            </a:r>
-            <a:endParaRPr kumimoji="0" lang="fr-FR" sz="1200" b="1" i="0" u="none" strike="noStrike" kern="1200" cap="none" spc="0" normalizeH="0" baseline="0" noProof="0" dirty="0">
-              <a:ln>
-                <a:noFill/>
-              </a:ln>
-              <a:solidFill>
-                <a:prstClr val="black"/>
-              </a:solidFill>
-              <a:effectLst/>
-              <a:uLnTx/>
-              <a:uFillTx/>
-              <a:latin typeface="Arial"/>
-              <a:ea typeface="+mn-ea"/>
-              <a:cs typeface="+mn-cs"/>
-            </a:endParaRPr>
+              <a:t>(1) Initialisation de la spécification</a:t>
+            </a:r>
           </a:p>
         </p:txBody>
       </p:sp>
@@ -9712,8 +9681,8 @@
         </p:nvCxnSpPr>
         <p:spPr>
           <a:xfrm>
-            <a:off x="2925902" y="1802809"/>
-            <a:ext cx="0" cy="697634"/>
+            <a:off x="2925902" y="2060941"/>
+            <a:ext cx="0" cy="439502"/>
           </a:xfrm>
           <a:prstGeom prst="straightConnector1">
             <a:avLst/>

--- a/docs/assets/docs/schema-cycle-de-vie.pptx
+++ b/docs/assets/docs/schema-cycle-de-vie.pptx
@@ -10761,25 +10761,7 @@
                 </a:solidFill>
                 <a:latin typeface="Arial"/>
               </a:rPr>
-              <a:t>Retour à « pour </a:t>
-            </a:r>
-            <a:r>
-              <a:rPr lang="fr-FR" sz="1200" dirty="0" err="1">
-                <a:solidFill>
-                  <a:prstClr val="black"/>
-                </a:solidFill>
-                <a:latin typeface="Arial"/>
-              </a:rPr>
-              <a:t>implementation</a:t>
-            </a:r>
-            <a:r>
-              <a:rPr lang="fr-FR" sz="1200" dirty="0">
-                <a:solidFill>
-                  <a:prstClr val="black"/>
-                </a:solidFill>
-                <a:latin typeface="Arial"/>
-              </a:rPr>
-              <a:t> » si modification majeure</a:t>
+              <a:t>Retour à « pour implementation » si modification majeure</a:t>
             </a:r>
           </a:p>
           <a:p>
@@ -10921,24 +10903,7 @@
                 </a:solidFill>
                 <a:latin typeface="Arial"/>
               </a:rPr>
-              <a:t>P</a:t>
-            </a:r>
-            <a:r>
-              <a:rPr kumimoji="0" lang="fr-FR" sz="1200" i="0" u="none" strike="noStrike" kern="1200" cap="none" spc="0" normalizeH="0" baseline="0" noProof="0" dirty="0" err="1">
-                <a:ln>
-                  <a:noFill/>
-                </a:ln>
-                <a:solidFill>
-                  <a:prstClr val="black"/>
-                </a:solidFill>
-                <a:effectLst/>
-                <a:uLnTx/>
-                <a:uFillTx/>
-                <a:latin typeface="Arial"/>
-                <a:ea typeface="+mn-ea"/>
-                <a:cs typeface="+mn-cs"/>
-              </a:rPr>
-              <a:t>assage</a:t>
+              <a:t>Passage</a:t>
             </a:r>
             <a:r>
               <a:rPr kumimoji="0" lang="fr-FR" sz="1200" i="0" u="none" strike="noStrike" kern="1200" cap="none" spc="0" normalizeH="0" baseline="0" noProof="0" dirty="0">
